--- a/project-management/or-ie/qc-tool/fishbone-diagram/fishbone-diagram.pptx
+++ b/project-management/or-ie/qc-tool/fishbone-diagram/fishbone-diagram.pptx
@@ -1,6 +1,6 @@
 
 <file path=ppt/presentation.xml><?xml version="1.0" encoding="utf-8"?>
-<p:presentation xmlns:a="http://schemas.openxmlformats.org/drawingml/2006/main" xmlns:r="http://schemas.openxmlformats.org/officeDocument/2006/relationships" xmlns:p="http://schemas.openxmlformats.org/presentationml/2006/main" saveSubsetFonts="1">
+<p:presentation xmlns:a="http://schemas.openxmlformats.org/drawingml/2006/main" xmlns:r="http://schemas.openxmlformats.org/officeDocument/2006/relationships" xmlns:p="http://schemas.openxmlformats.org/presentationml/2006/main" removePersonalInfoOnSave="1" saveSubsetFonts="1">
   <p:sldMasterIdLst>
     <p:sldMasterId id="2147483648" r:id="rId1"/>
   </p:sldMasterIdLst>
@@ -241,7 +241,7 @@
           <a:p>
             <a:fld id="{C0659DFF-9E5A-442A-8147-57AC9A97151B}" type="datetimeFigureOut">
               <a:rPr kumimoji="1" lang="ja-JP" altLang="en-US" smtClean="0"/>
-              <a:t>2019/2/18</a:t>
+              <a:t>2020/6/9</a:t>
             </a:fld>
             <a:endParaRPr kumimoji="1" lang="ja-JP" altLang="en-US"/>
           </a:p>
@@ -441,7 +441,7 @@
           <a:p>
             <a:fld id="{C0659DFF-9E5A-442A-8147-57AC9A97151B}" type="datetimeFigureOut">
               <a:rPr kumimoji="1" lang="ja-JP" altLang="en-US" smtClean="0"/>
-              <a:t>2019/2/18</a:t>
+              <a:t>2020/6/9</a:t>
             </a:fld>
             <a:endParaRPr kumimoji="1" lang="ja-JP" altLang="en-US"/>
           </a:p>
@@ -651,7 +651,7 @@
           <a:p>
             <a:fld id="{C0659DFF-9E5A-442A-8147-57AC9A97151B}" type="datetimeFigureOut">
               <a:rPr kumimoji="1" lang="ja-JP" altLang="en-US" smtClean="0"/>
-              <a:t>2019/2/18</a:t>
+              <a:t>2020/6/9</a:t>
             </a:fld>
             <a:endParaRPr kumimoji="1" lang="ja-JP" altLang="en-US"/>
           </a:p>
@@ -851,7 +851,7 @@
           <a:p>
             <a:fld id="{C0659DFF-9E5A-442A-8147-57AC9A97151B}" type="datetimeFigureOut">
               <a:rPr kumimoji="1" lang="ja-JP" altLang="en-US" smtClean="0"/>
-              <a:t>2019/2/18</a:t>
+              <a:t>2020/6/9</a:t>
             </a:fld>
             <a:endParaRPr kumimoji="1" lang="ja-JP" altLang="en-US"/>
           </a:p>
@@ -1096,7 +1096,7 @@
           <a:p>
             <a:fld id="{C0659DFF-9E5A-442A-8147-57AC9A97151B}" type="datetimeFigureOut">
               <a:rPr kumimoji="1" lang="ja-JP" altLang="en-US" smtClean="0"/>
-              <a:t>2019/2/18</a:t>
+              <a:t>2020/6/9</a:t>
             </a:fld>
             <a:endParaRPr kumimoji="1" lang="ja-JP" altLang="en-US"/>
           </a:p>
@@ -1389,7 +1389,7 @@
           <a:p>
             <a:fld id="{C0659DFF-9E5A-442A-8147-57AC9A97151B}" type="datetimeFigureOut">
               <a:rPr kumimoji="1" lang="ja-JP" altLang="en-US" smtClean="0"/>
-              <a:t>2019/2/18</a:t>
+              <a:t>2020/6/9</a:t>
             </a:fld>
             <a:endParaRPr kumimoji="1" lang="ja-JP" altLang="en-US"/>
           </a:p>
@@ -1817,7 +1817,7 @@
           <a:p>
             <a:fld id="{C0659DFF-9E5A-442A-8147-57AC9A97151B}" type="datetimeFigureOut">
               <a:rPr kumimoji="1" lang="ja-JP" altLang="en-US" smtClean="0"/>
-              <a:t>2019/2/18</a:t>
+              <a:t>2020/6/9</a:t>
             </a:fld>
             <a:endParaRPr kumimoji="1" lang="ja-JP" altLang="en-US"/>
           </a:p>
@@ -1934,7 +1934,7 @@
           <a:p>
             <a:fld id="{C0659DFF-9E5A-442A-8147-57AC9A97151B}" type="datetimeFigureOut">
               <a:rPr kumimoji="1" lang="ja-JP" altLang="en-US" smtClean="0"/>
-              <a:t>2019/2/18</a:t>
+              <a:t>2020/6/9</a:t>
             </a:fld>
             <a:endParaRPr kumimoji="1" lang="ja-JP" altLang="en-US"/>
           </a:p>
@@ -2029,7 +2029,7 @@
           <a:p>
             <a:fld id="{C0659DFF-9E5A-442A-8147-57AC9A97151B}" type="datetimeFigureOut">
               <a:rPr kumimoji="1" lang="ja-JP" altLang="en-US" smtClean="0"/>
-              <a:t>2019/2/18</a:t>
+              <a:t>2020/6/9</a:t>
             </a:fld>
             <a:endParaRPr kumimoji="1" lang="ja-JP" altLang="en-US"/>
           </a:p>
@@ -2336,7 +2336,7 @@
           <a:p>
             <a:fld id="{C0659DFF-9E5A-442A-8147-57AC9A97151B}" type="datetimeFigureOut">
               <a:rPr kumimoji="1" lang="ja-JP" altLang="en-US" smtClean="0"/>
-              <a:t>2019/2/18</a:t>
+              <a:t>2020/6/9</a:t>
             </a:fld>
             <a:endParaRPr kumimoji="1" lang="ja-JP" altLang="en-US"/>
           </a:p>
@@ -2588,7 +2588,7 @@
           <a:p>
             <a:fld id="{C0659DFF-9E5A-442A-8147-57AC9A97151B}" type="datetimeFigureOut">
               <a:rPr kumimoji="1" lang="ja-JP" altLang="en-US" smtClean="0"/>
-              <a:t>2019/2/18</a:t>
+              <a:t>2020/6/9</a:t>
             </a:fld>
             <a:endParaRPr kumimoji="1" lang="ja-JP" altLang="en-US"/>
           </a:p>
@@ -2831,7 +2831,7 @@
           <a:p>
             <a:fld id="{C0659DFF-9E5A-442A-8147-57AC9A97151B}" type="datetimeFigureOut">
               <a:rPr kumimoji="1" lang="ja-JP" altLang="en-US" smtClean="0"/>
-              <a:t>2019/2/18</a:t>
+              <a:t>2020/6/9</a:t>
             </a:fld>
             <a:endParaRPr kumimoji="1" lang="ja-JP" altLang="en-US"/>
           </a:p>
